--- a/Foto Vale VIda.pptx
+++ b/Foto Vale VIda.pptx
@@ -3724,7 +3724,7 @@
           <a:p>
             <a:r>
               <a:rPr lang="en-GB" dirty="0"/>
-              <a:t>BC\</a:t>
+              <a:t>BC</a:t>
             </a:r>
           </a:p>
         </p:txBody>
